--- a/rpackage_logos.pptx
+++ b/rpackage_logos.pptx
@@ -7,7 +7,8 @@
   <p:sldIdLst>
     <p:sldId id="256" r:id="rId2"/>
     <p:sldId id="257" r:id="rId3"/>
-    <p:sldId id="259" r:id="rId4"/>
+    <p:sldId id="260" r:id="rId4"/>
+    <p:sldId id="259" r:id="rId5"/>
   </p:sldIdLst>
   <p:sldSz cx="12192000" cy="6858000"/>
   <p:notesSz cx="6858000" cy="9144000"/>
@@ -261,7 +262,7 @@
           <a:p>
             <a:fld id="{D3C88557-7D6C-2C49-9ECE-0553390A3FCB}" type="datetimeFigureOut">
               <a:rPr lang="en-US" smtClean="0"/>
-              <a:t>3/16/23</a:t>
+              <a:t>9/8/23</a:t>
             </a:fld>
             <a:endParaRPr lang="en-US"/>
           </a:p>
@@ -459,7 +460,7 @@
           <a:p>
             <a:fld id="{D3C88557-7D6C-2C49-9ECE-0553390A3FCB}" type="datetimeFigureOut">
               <a:rPr lang="en-US" smtClean="0"/>
-              <a:t>3/16/23</a:t>
+              <a:t>9/8/23</a:t>
             </a:fld>
             <a:endParaRPr lang="en-US"/>
           </a:p>
@@ -667,7 +668,7 @@
           <a:p>
             <a:fld id="{D3C88557-7D6C-2C49-9ECE-0553390A3FCB}" type="datetimeFigureOut">
               <a:rPr lang="en-US" smtClean="0"/>
-              <a:t>3/16/23</a:t>
+              <a:t>9/8/23</a:t>
             </a:fld>
             <a:endParaRPr lang="en-US"/>
           </a:p>
@@ -865,7 +866,7 @@
           <a:p>
             <a:fld id="{D3C88557-7D6C-2C49-9ECE-0553390A3FCB}" type="datetimeFigureOut">
               <a:rPr lang="en-US" smtClean="0"/>
-              <a:t>3/16/23</a:t>
+              <a:t>9/8/23</a:t>
             </a:fld>
             <a:endParaRPr lang="en-US"/>
           </a:p>
@@ -1140,7 +1141,7 @@
           <a:p>
             <a:fld id="{D3C88557-7D6C-2C49-9ECE-0553390A3FCB}" type="datetimeFigureOut">
               <a:rPr lang="en-US" smtClean="0"/>
-              <a:t>3/16/23</a:t>
+              <a:t>9/8/23</a:t>
             </a:fld>
             <a:endParaRPr lang="en-US"/>
           </a:p>
@@ -1405,7 +1406,7 @@
           <a:p>
             <a:fld id="{D3C88557-7D6C-2C49-9ECE-0553390A3FCB}" type="datetimeFigureOut">
               <a:rPr lang="en-US" smtClean="0"/>
-              <a:t>3/16/23</a:t>
+              <a:t>9/8/23</a:t>
             </a:fld>
             <a:endParaRPr lang="en-US"/>
           </a:p>
@@ -1817,7 +1818,7 @@
           <a:p>
             <a:fld id="{D3C88557-7D6C-2C49-9ECE-0553390A3FCB}" type="datetimeFigureOut">
               <a:rPr lang="en-US" smtClean="0"/>
-              <a:t>3/16/23</a:t>
+              <a:t>9/8/23</a:t>
             </a:fld>
             <a:endParaRPr lang="en-US"/>
           </a:p>
@@ -1958,7 +1959,7 @@
           <a:p>
             <a:fld id="{D3C88557-7D6C-2C49-9ECE-0553390A3FCB}" type="datetimeFigureOut">
               <a:rPr lang="en-US" smtClean="0"/>
-              <a:t>3/16/23</a:t>
+              <a:t>9/8/23</a:t>
             </a:fld>
             <a:endParaRPr lang="en-US"/>
           </a:p>
@@ -2071,7 +2072,7 @@
           <a:p>
             <a:fld id="{D3C88557-7D6C-2C49-9ECE-0553390A3FCB}" type="datetimeFigureOut">
               <a:rPr lang="en-US" smtClean="0"/>
-              <a:t>3/16/23</a:t>
+              <a:t>9/8/23</a:t>
             </a:fld>
             <a:endParaRPr lang="en-US"/>
           </a:p>
@@ -2382,7 +2383,7 @@
           <a:p>
             <a:fld id="{D3C88557-7D6C-2C49-9ECE-0553390A3FCB}" type="datetimeFigureOut">
               <a:rPr lang="en-US" smtClean="0"/>
-              <a:t>3/16/23</a:t>
+              <a:t>9/8/23</a:t>
             </a:fld>
             <a:endParaRPr lang="en-US"/>
           </a:p>
@@ -2670,7 +2671,7 @@
           <a:p>
             <a:fld id="{D3C88557-7D6C-2C49-9ECE-0553390A3FCB}" type="datetimeFigureOut">
               <a:rPr lang="en-US" smtClean="0"/>
-              <a:t>3/16/23</a:t>
+              <a:t>9/8/23</a:t>
             </a:fld>
             <a:endParaRPr lang="en-US"/>
           </a:p>
@@ -2911,7 +2912,7 @@
           <a:p>
             <a:fld id="{D3C88557-7D6C-2C49-9ECE-0553390A3FCB}" type="datetimeFigureOut">
               <a:rPr lang="en-US" smtClean="0"/>
-              <a:t>3/16/23</a:t>
+              <a:t>9/8/23</a:t>
             </a:fld>
             <a:endParaRPr lang="en-US"/>
           </a:p>
@@ -3574,6 +3575,136 @@
 </file>
 
 <file path=ppt/slides/slide3.xml><?xml version="1.0" encoding="utf-8"?>
+<p:sld xmlns:a="http://schemas.openxmlformats.org/drawingml/2006/main" xmlns:r="http://schemas.openxmlformats.org/officeDocument/2006/relationships" xmlns:p="http://schemas.openxmlformats.org/presentationml/2006/main">
+  <p:cSld>
+    <p:spTree>
+      <p:nvGrpSpPr>
+        <p:cNvPr id="1" name=""/>
+        <p:cNvGrpSpPr/>
+        <p:nvPr/>
+      </p:nvGrpSpPr>
+      <p:grpSpPr>
+        <a:xfrm>
+          <a:off x="0" y="0"/>
+          <a:ext cx="0" cy="0"/>
+          <a:chOff x="0" y="0"/>
+          <a:chExt cx="0" cy="0"/>
+        </a:xfrm>
+      </p:grpSpPr>
+      <p:grpSp>
+        <p:nvGrpSpPr>
+          <p:cNvPr id="4" name="Group 3">
+            <a:extLst>
+              <a:ext uri="{FF2B5EF4-FFF2-40B4-BE49-F238E27FC236}">
+                <a16:creationId xmlns:a16="http://schemas.microsoft.com/office/drawing/2014/main" id="{8C1AC2F3-28F5-2B8F-312D-6319119C4989}"/>
+              </a:ext>
+            </a:extLst>
+          </p:cNvPr>
+          <p:cNvGrpSpPr/>
+          <p:nvPr/>
+        </p:nvGrpSpPr>
+        <p:grpSpPr>
+          <a:xfrm>
+            <a:off x="0" y="1"/>
+            <a:ext cx="12192000" cy="6858000"/>
+            <a:chOff x="0" y="1"/>
+            <a:chExt cx="12192000" cy="6858000"/>
+          </a:xfrm>
+        </p:grpSpPr>
+        <p:sp>
+          <p:nvSpPr>
+            <p:cNvPr id="7" name="Rectangle 6">
+              <a:extLst>
+                <a:ext uri="{FF2B5EF4-FFF2-40B4-BE49-F238E27FC236}">
+                  <a16:creationId xmlns:a16="http://schemas.microsoft.com/office/drawing/2014/main" id="{15E32235-55D1-A201-D03A-5812F6A2E03A}"/>
+                </a:ext>
+              </a:extLst>
+            </p:cNvPr>
+            <p:cNvSpPr/>
+            <p:nvPr/>
+          </p:nvSpPr>
+          <p:spPr>
+            <a:xfrm>
+              <a:off x="0" y="1"/>
+              <a:ext cx="12192000" cy="6858000"/>
+            </a:xfrm>
+            <a:prstGeom prst="rect">
+              <a:avLst/>
+            </a:prstGeom>
+            <a:noFill/>
+            <a:ln w="28575">
+              <a:noFill/>
+            </a:ln>
+          </p:spPr>
+          <p:style>
+            <a:lnRef idx="2">
+              <a:schemeClr val="accent1">
+                <a:shade val="50000"/>
+              </a:schemeClr>
+            </a:lnRef>
+            <a:fillRef idx="1">
+              <a:schemeClr val="accent1"/>
+            </a:fillRef>
+            <a:effectRef idx="0">
+              <a:schemeClr val="accent1"/>
+            </a:effectRef>
+            <a:fontRef idx="minor">
+              <a:schemeClr val="lt1"/>
+            </a:fontRef>
+          </p:style>
+          <p:txBody>
+            <a:bodyPr rtlCol="0" anchor="ctr"/>
+            <a:lstStyle/>
+            <a:p>
+              <a:pPr algn="ctr"/>
+              <a:endParaRPr lang="en-US"/>
+            </a:p>
+          </p:txBody>
+        </p:sp>
+        <p:pic>
+          <p:nvPicPr>
+            <p:cNvPr id="3" name="Picture 2">
+              <a:extLst>
+                <a:ext uri="{FF2B5EF4-FFF2-40B4-BE49-F238E27FC236}">
+                  <a16:creationId xmlns:a16="http://schemas.microsoft.com/office/drawing/2014/main" id="{5D0A9F9A-CC70-A540-6544-D27C55FE0266}"/>
+                </a:ext>
+              </a:extLst>
+            </p:cNvPr>
+            <p:cNvPicPr>
+              <a:picLocks noChangeAspect="1"/>
+            </p:cNvPicPr>
+            <p:nvPr/>
+          </p:nvPicPr>
+          <p:blipFill>
+            <a:blip r:embed="rId2"/>
+            <a:srcRect/>
+            <a:stretch/>
+          </p:blipFill>
+          <p:spPr>
+            <a:xfrm>
+              <a:off x="3560108" y="484094"/>
+              <a:ext cx="5071782" cy="5889812"/>
+            </a:xfrm>
+            <a:prstGeom prst="rect">
+              <a:avLst/>
+            </a:prstGeom>
+          </p:spPr>
+        </p:pic>
+      </p:grpSp>
+    </p:spTree>
+    <p:extLst>
+      <p:ext uri="{BB962C8B-B14F-4D97-AF65-F5344CB8AC3E}">
+        <p14:creationId xmlns:p14="http://schemas.microsoft.com/office/powerpoint/2010/main" val="1659396334"/>
+      </p:ext>
+    </p:extLst>
+  </p:cSld>
+  <p:clrMapOvr>
+    <a:masterClrMapping/>
+  </p:clrMapOvr>
+</p:sld>
+</file>
+
+<file path=ppt/slides/slide4.xml><?xml version="1.0" encoding="utf-8"?>
 <p:sld xmlns:a="http://schemas.openxmlformats.org/drawingml/2006/main" xmlns:r="http://schemas.openxmlformats.org/officeDocument/2006/relationships" xmlns:p="http://schemas.openxmlformats.org/presentationml/2006/main">
   <p:cSld>
     <p:spTree>
